--- a/Day2/Day2_Communication.pptx
+++ b/Day2/Day2_Communication.pptx
@@ -5,7 +5,17 @@
     <p:sldMasterId id="2147483648" r:id="rId1"/>
   </p:sldMasterIdLst>
   <p:sldIdLst>
-    <p:sldId id="256" r:id="rId2"/>
+    <p:sldId id="261" r:id="rId2"/>
+    <p:sldId id="256" r:id="rId3"/>
+    <p:sldId id="257" r:id="rId4"/>
+    <p:sldId id="262" r:id="rId5"/>
+    <p:sldId id="258" r:id="rId6"/>
+    <p:sldId id="263" r:id="rId7"/>
+    <p:sldId id="260" r:id="rId8"/>
+    <p:sldId id="264" r:id="rId9"/>
+    <p:sldId id="259" r:id="rId10"/>
+    <p:sldId id="265" r:id="rId11"/>
+    <p:sldId id="266" r:id="rId12"/>
   </p:sldIdLst>
   <p:sldSz cx="12192000" cy="6858000"/>
   <p:notesSz cx="6858000" cy="9144000"/>
@@ -104,6 +114,54 @@
       </a:defRPr>
     </a:lvl9pPr>
   </p:defaultTextStyle>
+  <p:extLst>
+    <p:ext uri="{521415D9-36F7-43E2-AB2F-B90AF26B5E84}">
+      <p14:sectionLst xmlns:p14="http://schemas.microsoft.com/office/powerpoint/2010/main">
+        <p14:section name="Personal intros + icebreaker" id="{FA76D6EB-671B-48AB-AC67-E64DF8A9647E}">
+          <p14:sldIdLst>
+            <p14:sldId id="261"/>
+          </p14:sldIdLst>
+        </p14:section>
+        <p14:section name="Intro" id="{54C1F76E-977F-4B19-A58E-093345A1958A}">
+          <p14:sldIdLst>
+            <p14:sldId id="256"/>
+          </p14:sldIdLst>
+        </p14:section>
+        <p14:section name="Storytelling" id="{32DEE655-E7B4-43AC-89D4-B1792B069082}">
+          <p14:sldIdLst>
+            <p14:sldId id="257"/>
+            <p14:sldId id="262"/>
+          </p14:sldIdLst>
+        </p14:section>
+        <p14:section name="PowerPoint Aesthetics" id="{C2D36986-B9EE-4DA5-9589-D0996F7B426D}">
+          <p14:sldIdLst>
+            <p14:sldId id="258"/>
+            <p14:sldId id="263"/>
+          </p14:sldIdLst>
+        </p14:section>
+        <p14:section name="Morph" id="{07798C49-FBA0-4D12-AF75-CC222A766456}">
+          <p14:sldIdLst>
+            <p14:sldId id="260"/>
+            <p14:sldId id="264"/>
+          </p14:sldIdLst>
+        </p14:section>
+        <p14:section name="Tips &amp; Tricks" id="{E08AEE1E-62DD-4254-B020-2DCC5943B4BA}">
+          <p14:sldIdLst>
+            <p14:sldId id="259"/>
+            <p14:sldId id="265"/>
+          </p14:sldIdLst>
+        </p14:section>
+        <p14:section name="Project" id="{7B70FD32-5C5E-4E87-97D3-0EFBB134395F}">
+          <p14:sldIdLst>
+            <p14:sldId id="266"/>
+          </p14:sldIdLst>
+        </p14:section>
+      </p14:sectionLst>
+    </p:ext>
+    <p:ext uri="{EFAFB233-063F-42B5-8137-9DF3F51BA10A}">
+      <p15:sldGuideLst xmlns:p15="http://schemas.microsoft.com/office/powerpoint/2012/main"/>
+    </p:ext>
+  </p:extLst>
 </p:presentation>
 </file>
 
@@ -1146,6 +1204,216 @@
 <file path=ppt/slides/slide1.xml><?xml version="1.0" encoding="utf-8"?>
 <p:sld xmlns:a="http://schemas.openxmlformats.org/drawingml/2006/main" xmlns:r="http://schemas.openxmlformats.org/officeDocument/2006/relationships" xmlns:p="http://schemas.openxmlformats.org/presentationml/2006/main">
   <p:cSld>
+    <p:spTree>
+      <p:nvGrpSpPr>
+        <p:cNvPr id="1" name=""/>
+        <p:cNvGrpSpPr/>
+        <p:nvPr/>
+      </p:nvGrpSpPr>
+      <p:grpSpPr>
+        <a:xfrm>
+          <a:off x="0" y="0"/>
+          <a:ext cx="0" cy="0"/>
+          <a:chOff x="0" y="0"/>
+          <a:chExt cx="0" cy="0"/>
+        </a:xfrm>
+      </p:grpSpPr>
+      <p:sp>
+        <p:nvSpPr>
+          <p:cNvPr id="2" name="Title 1">
+            <a:extLst>
+              <a:ext uri="{FF2B5EF4-FFF2-40B4-BE49-F238E27FC236}">
+                <a16:creationId xmlns:a16="http://schemas.microsoft.com/office/drawing/2014/main" id="{9A7307D4-93E8-A21A-6B80-9321C378D9C6}"/>
+              </a:ext>
+            </a:extLst>
+          </p:cNvPr>
+          <p:cNvSpPr>
+            <a:spLocks noGrp="1"/>
+          </p:cNvSpPr>
+          <p:nvPr>
+            <p:ph type="title"/>
+          </p:nvPr>
+        </p:nvSpPr>
+        <p:spPr>
+          <a:xfrm>
+            <a:off x="838200" y="2766218"/>
+            <a:ext cx="10515600" cy="1325563"/>
+          </a:xfrm>
+        </p:spPr>
+        <p:txBody>
+          <a:bodyPr/>
+          <a:lstStyle/>
+          <a:p>
+            <a:r>
+              <a:rPr lang="en-US" dirty="0"/>
+              <a:t>Without modern medical intervention, how many times would you have died so far?</a:t>
+            </a:r>
+          </a:p>
+        </p:txBody>
+      </p:sp>
+    </p:spTree>
+    <p:extLst>
+      <p:ext uri="{BB962C8B-B14F-4D97-AF65-F5344CB8AC3E}">
+        <p14:creationId xmlns:p14="http://schemas.microsoft.com/office/powerpoint/2010/main" val="1252399034"/>
+      </p:ext>
+    </p:extLst>
+  </p:cSld>
+  <p:clrMapOvr>
+    <a:masterClrMapping/>
+  </p:clrMapOvr>
+</p:sld>
+</file>
+
+<file path=ppt/slides/slide10.xml><?xml version="1.0" encoding="utf-8"?>
+<p:sld xmlns:a="http://schemas.openxmlformats.org/drawingml/2006/main" xmlns:r="http://schemas.openxmlformats.org/officeDocument/2006/relationships" xmlns:p="http://schemas.openxmlformats.org/presentationml/2006/main">
+  <p:cSld>
+    <p:spTree>
+      <p:nvGrpSpPr>
+        <p:cNvPr id="1" name=""/>
+        <p:cNvGrpSpPr/>
+        <p:nvPr/>
+      </p:nvGrpSpPr>
+      <p:grpSpPr>
+        <a:xfrm>
+          <a:off x="0" y="0"/>
+          <a:ext cx="0" cy="0"/>
+          <a:chOff x="0" y="0"/>
+          <a:chExt cx="0" cy="0"/>
+        </a:xfrm>
+      </p:grpSpPr>
+      <p:sp>
+        <p:nvSpPr>
+          <p:cNvPr id="2" name="Title 1">
+            <a:extLst>
+              <a:ext uri="{FF2B5EF4-FFF2-40B4-BE49-F238E27FC236}">
+                <a16:creationId xmlns:a16="http://schemas.microsoft.com/office/drawing/2014/main" id="{7CE63BF2-86DD-96BF-0F31-30F9C4FBA1A2}"/>
+              </a:ext>
+            </a:extLst>
+          </p:cNvPr>
+          <p:cNvSpPr>
+            <a:spLocks noGrp="1"/>
+          </p:cNvSpPr>
+          <p:nvPr>
+            <p:ph type="title"/>
+          </p:nvPr>
+        </p:nvSpPr>
+        <p:spPr>
+          <a:xfrm>
+            <a:off x="838200" y="2766219"/>
+            <a:ext cx="10515600" cy="1325563"/>
+          </a:xfrm>
+        </p:spPr>
+        <p:txBody>
+          <a:bodyPr/>
+          <a:lstStyle/>
+          <a:p>
+            <a:pPr algn="ctr"/>
+            <a:r>
+              <a:rPr lang="en-US" dirty="0"/>
+              <a:t>5 Minute Break</a:t>
+            </a:r>
+          </a:p>
+        </p:txBody>
+      </p:sp>
+    </p:spTree>
+    <p:extLst>
+      <p:ext uri="{BB962C8B-B14F-4D97-AF65-F5344CB8AC3E}">
+        <p14:creationId xmlns:p14="http://schemas.microsoft.com/office/powerpoint/2010/main" val="2865125515"/>
+      </p:ext>
+    </p:extLst>
+  </p:cSld>
+  <p:clrMapOvr>
+    <a:masterClrMapping/>
+  </p:clrMapOvr>
+</p:sld>
+</file>
+
+<file path=ppt/slides/slide11.xml><?xml version="1.0" encoding="utf-8"?>
+<p:sld xmlns:a="http://schemas.openxmlformats.org/drawingml/2006/main" xmlns:r="http://schemas.openxmlformats.org/officeDocument/2006/relationships" xmlns:p="http://schemas.openxmlformats.org/presentationml/2006/main">
+  <p:cSld>
+    <p:spTree>
+      <p:nvGrpSpPr>
+        <p:cNvPr id="1" name=""/>
+        <p:cNvGrpSpPr/>
+        <p:nvPr/>
+      </p:nvGrpSpPr>
+      <p:grpSpPr>
+        <a:xfrm>
+          <a:off x="0" y="0"/>
+          <a:ext cx="0" cy="0"/>
+          <a:chOff x="0" y="0"/>
+          <a:chExt cx="0" cy="0"/>
+        </a:xfrm>
+      </p:grpSpPr>
+      <p:sp>
+        <p:nvSpPr>
+          <p:cNvPr id="2" name="Title 1">
+            <a:extLst>
+              <a:ext uri="{FF2B5EF4-FFF2-40B4-BE49-F238E27FC236}">
+                <a16:creationId xmlns:a16="http://schemas.microsoft.com/office/drawing/2014/main" id="{BD97DFF8-1856-1AA8-D5DE-99346C293B44}"/>
+              </a:ext>
+            </a:extLst>
+          </p:cNvPr>
+          <p:cNvSpPr>
+            <a:spLocks noGrp="1"/>
+          </p:cNvSpPr>
+          <p:nvPr>
+            <p:ph type="title"/>
+          </p:nvPr>
+        </p:nvSpPr>
+        <p:spPr/>
+        <p:txBody>
+          <a:bodyPr/>
+          <a:lstStyle/>
+          <a:p>
+            <a:r>
+              <a:rPr lang="en-US" dirty="0"/>
+              <a:t>Group Project</a:t>
+            </a:r>
+          </a:p>
+        </p:txBody>
+      </p:sp>
+      <p:sp>
+        <p:nvSpPr>
+          <p:cNvPr id="3" name="Content Placeholder 2">
+            <a:extLst>
+              <a:ext uri="{FF2B5EF4-FFF2-40B4-BE49-F238E27FC236}">
+                <a16:creationId xmlns:a16="http://schemas.microsoft.com/office/drawing/2014/main" id="{E119B916-AA84-F163-ECC2-A31E59137038}"/>
+              </a:ext>
+            </a:extLst>
+          </p:cNvPr>
+          <p:cNvSpPr>
+            <a:spLocks noGrp="1"/>
+          </p:cNvSpPr>
+          <p:nvPr>
+            <p:ph idx="1"/>
+          </p:nvPr>
+        </p:nvSpPr>
+        <p:spPr/>
+        <p:txBody>
+          <a:bodyPr/>
+          <a:lstStyle/>
+          <a:p>
+            <a:endParaRPr lang="en-US"/>
+          </a:p>
+        </p:txBody>
+      </p:sp>
+    </p:spTree>
+    <p:extLst>
+      <p:ext uri="{BB962C8B-B14F-4D97-AF65-F5344CB8AC3E}">
+        <p14:creationId xmlns:p14="http://schemas.microsoft.com/office/powerpoint/2010/main" val="2719588708"/>
+      </p:ext>
+    </p:extLst>
+  </p:cSld>
+  <p:clrMapOvr>
+    <a:masterClrMapping/>
+  </p:clrMapOvr>
+</p:sld>
+</file>
+
+<file path=ppt/slides/slide2.xml><?xml version="1.0" encoding="utf-8"?>
+<p:sld xmlns:a="http://schemas.openxmlformats.org/drawingml/2006/main" xmlns:r="http://schemas.openxmlformats.org/officeDocument/2006/relationships" xmlns:p="http://schemas.openxmlformats.org/presentationml/2006/main">
+  <p:cSld>
     <p:bg>
       <p:bgPr>
         <a:solidFill>
@@ -1244,6 +1512,493 @@
     <p:extLst>
       <p:ext uri="{BB962C8B-B14F-4D97-AF65-F5344CB8AC3E}">
         <p14:creationId xmlns:p14="http://schemas.microsoft.com/office/powerpoint/2010/main" val="240362336"/>
+      </p:ext>
+    </p:extLst>
+  </p:cSld>
+  <p:clrMapOvr>
+    <a:masterClrMapping/>
+  </p:clrMapOvr>
+</p:sld>
+</file>
+
+<file path=ppt/slides/slide3.xml><?xml version="1.0" encoding="utf-8"?>
+<p:sld xmlns:a="http://schemas.openxmlformats.org/drawingml/2006/main" xmlns:r="http://schemas.openxmlformats.org/officeDocument/2006/relationships" xmlns:p="http://schemas.openxmlformats.org/presentationml/2006/main">
+  <p:cSld>
+    <p:spTree>
+      <p:nvGrpSpPr>
+        <p:cNvPr id="1" name=""/>
+        <p:cNvGrpSpPr/>
+        <p:nvPr/>
+      </p:nvGrpSpPr>
+      <p:grpSpPr>
+        <a:xfrm>
+          <a:off x="0" y="0"/>
+          <a:ext cx="0" cy="0"/>
+          <a:chOff x="0" y="0"/>
+          <a:chExt cx="0" cy="0"/>
+        </a:xfrm>
+      </p:grpSpPr>
+      <p:sp>
+        <p:nvSpPr>
+          <p:cNvPr id="2" name="Title 1">
+            <a:extLst>
+              <a:ext uri="{FF2B5EF4-FFF2-40B4-BE49-F238E27FC236}">
+                <a16:creationId xmlns:a16="http://schemas.microsoft.com/office/drawing/2014/main" id="{7CE63BF2-86DD-96BF-0F31-30F9C4FBA1A2}"/>
+              </a:ext>
+            </a:extLst>
+          </p:cNvPr>
+          <p:cNvSpPr>
+            <a:spLocks noGrp="1"/>
+          </p:cNvSpPr>
+          <p:nvPr>
+            <p:ph type="title"/>
+          </p:nvPr>
+        </p:nvSpPr>
+        <p:spPr/>
+        <p:txBody>
+          <a:bodyPr/>
+          <a:lstStyle/>
+          <a:p>
+            <a:endParaRPr lang="en-US"/>
+          </a:p>
+        </p:txBody>
+      </p:sp>
+    </p:spTree>
+    <p:extLst>
+      <p:ext uri="{BB962C8B-B14F-4D97-AF65-F5344CB8AC3E}">
+        <p14:creationId xmlns:p14="http://schemas.microsoft.com/office/powerpoint/2010/main" val="2540550537"/>
+      </p:ext>
+    </p:extLst>
+  </p:cSld>
+  <p:clrMapOvr>
+    <a:masterClrMapping/>
+  </p:clrMapOvr>
+</p:sld>
+</file>
+
+<file path=ppt/slides/slide4.xml><?xml version="1.0" encoding="utf-8"?>
+<p:sld xmlns:a="http://schemas.openxmlformats.org/drawingml/2006/main" xmlns:r="http://schemas.openxmlformats.org/officeDocument/2006/relationships" xmlns:p="http://schemas.openxmlformats.org/presentationml/2006/main">
+  <p:cSld>
+    <p:spTree>
+      <p:nvGrpSpPr>
+        <p:cNvPr id="1" name=""/>
+        <p:cNvGrpSpPr/>
+        <p:nvPr/>
+      </p:nvGrpSpPr>
+      <p:grpSpPr>
+        <a:xfrm>
+          <a:off x="0" y="0"/>
+          <a:ext cx="0" cy="0"/>
+          <a:chOff x="0" y="0"/>
+          <a:chExt cx="0" cy="0"/>
+        </a:xfrm>
+      </p:grpSpPr>
+      <p:sp>
+        <p:nvSpPr>
+          <p:cNvPr id="2" name="Title 1">
+            <a:extLst>
+              <a:ext uri="{FF2B5EF4-FFF2-40B4-BE49-F238E27FC236}">
+                <a16:creationId xmlns:a16="http://schemas.microsoft.com/office/drawing/2014/main" id="{7CE63BF2-86DD-96BF-0F31-30F9C4FBA1A2}"/>
+              </a:ext>
+            </a:extLst>
+          </p:cNvPr>
+          <p:cNvSpPr>
+            <a:spLocks noGrp="1"/>
+          </p:cNvSpPr>
+          <p:nvPr>
+            <p:ph type="title"/>
+          </p:nvPr>
+        </p:nvSpPr>
+        <p:spPr>
+          <a:xfrm>
+            <a:off x="838200" y="2766219"/>
+            <a:ext cx="10515600" cy="1325563"/>
+          </a:xfrm>
+        </p:spPr>
+        <p:txBody>
+          <a:bodyPr/>
+          <a:lstStyle/>
+          <a:p>
+            <a:pPr algn="ctr"/>
+            <a:r>
+              <a:rPr lang="en-US" dirty="0"/>
+              <a:t>5 Minute Break</a:t>
+            </a:r>
+          </a:p>
+        </p:txBody>
+      </p:sp>
+    </p:spTree>
+    <p:extLst>
+      <p:ext uri="{BB962C8B-B14F-4D97-AF65-F5344CB8AC3E}">
+        <p14:creationId xmlns:p14="http://schemas.microsoft.com/office/powerpoint/2010/main" val="524962611"/>
+      </p:ext>
+    </p:extLst>
+  </p:cSld>
+  <p:clrMapOvr>
+    <a:masterClrMapping/>
+  </p:clrMapOvr>
+</p:sld>
+</file>
+
+<file path=ppt/slides/slide5.xml><?xml version="1.0" encoding="utf-8"?>
+<p:sld xmlns:a="http://schemas.openxmlformats.org/drawingml/2006/main" xmlns:r="http://schemas.openxmlformats.org/officeDocument/2006/relationships" xmlns:p="http://schemas.openxmlformats.org/presentationml/2006/main">
+  <p:cSld>
+    <p:spTree>
+      <p:nvGrpSpPr>
+        <p:cNvPr id="1" name=""/>
+        <p:cNvGrpSpPr/>
+        <p:nvPr/>
+      </p:nvGrpSpPr>
+      <p:grpSpPr>
+        <a:xfrm>
+          <a:off x="0" y="0"/>
+          <a:ext cx="0" cy="0"/>
+          <a:chOff x="0" y="0"/>
+          <a:chExt cx="0" cy="0"/>
+        </a:xfrm>
+      </p:grpSpPr>
+      <p:sp>
+        <p:nvSpPr>
+          <p:cNvPr id="2" name="Title 1">
+            <a:extLst>
+              <a:ext uri="{FF2B5EF4-FFF2-40B4-BE49-F238E27FC236}">
+                <a16:creationId xmlns:a16="http://schemas.microsoft.com/office/drawing/2014/main" id="{E1E85AA5-4C9B-FC70-0D89-A4C49221786C}"/>
+              </a:ext>
+            </a:extLst>
+          </p:cNvPr>
+          <p:cNvSpPr>
+            <a:spLocks noGrp="1"/>
+          </p:cNvSpPr>
+          <p:nvPr>
+            <p:ph type="title"/>
+          </p:nvPr>
+        </p:nvSpPr>
+        <p:spPr/>
+        <p:txBody>
+          <a:bodyPr/>
+          <a:lstStyle/>
+          <a:p>
+            <a:endParaRPr lang="en-US"/>
+          </a:p>
+        </p:txBody>
+      </p:sp>
+      <p:sp>
+        <p:nvSpPr>
+          <p:cNvPr id="3" name="Content Placeholder 2">
+            <a:extLst>
+              <a:ext uri="{FF2B5EF4-FFF2-40B4-BE49-F238E27FC236}">
+                <a16:creationId xmlns:a16="http://schemas.microsoft.com/office/drawing/2014/main" id="{B0990F71-1F44-8B5C-1C93-73D488FAAE30}"/>
+              </a:ext>
+            </a:extLst>
+          </p:cNvPr>
+          <p:cNvSpPr>
+            <a:spLocks noGrp="1"/>
+          </p:cNvSpPr>
+          <p:nvPr>
+            <p:ph idx="1"/>
+          </p:nvPr>
+        </p:nvSpPr>
+        <p:spPr/>
+        <p:txBody>
+          <a:bodyPr/>
+          <a:lstStyle/>
+          <a:p>
+            <a:endParaRPr lang="en-US"/>
+          </a:p>
+        </p:txBody>
+      </p:sp>
+    </p:spTree>
+    <p:extLst>
+      <p:ext uri="{BB962C8B-B14F-4D97-AF65-F5344CB8AC3E}">
+        <p14:creationId xmlns:p14="http://schemas.microsoft.com/office/powerpoint/2010/main" val="1756497148"/>
+      </p:ext>
+    </p:extLst>
+  </p:cSld>
+  <p:clrMapOvr>
+    <a:masterClrMapping/>
+  </p:clrMapOvr>
+</p:sld>
+</file>
+
+<file path=ppt/slides/slide6.xml><?xml version="1.0" encoding="utf-8"?>
+<p:sld xmlns:a="http://schemas.openxmlformats.org/drawingml/2006/main" xmlns:r="http://schemas.openxmlformats.org/officeDocument/2006/relationships" xmlns:p="http://schemas.openxmlformats.org/presentationml/2006/main">
+  <p:cSld>
+    <p:spTree>
+      <p:nvGrpSpPr>
+        <p:cNvPr id="1" name=""/>
+        <p:cNvGrpSpPr/>
+        <p:nvPr/>
+      </p:nvGrpSpPr>
+      <p:grpSpPr>
+        <a:xfrm>
+          <a:off x="0" y="0"/>
+          <a:ext cx="0" cy="0"/>
+          <a:chOff x="0" y="0"/>
+          <a:chExt cx="0" cy="0"/>
+        </a:xfrm>
+      </p:grpSpPr>
+      <p:sp>
+        <p:nvSpPr>
+          <p:cNvPr id="2" name="Title 1">
+            <a:extLst>
+              <a:ext uri="{FF2B5EF4-FFF2-40B4-BE49-F238E27FC236}">
+                <a16:creationId xmlns:a16="http://schemas.microsoft.com/office/drawing/2014/main" id="{7CE63BF2-86DD-96BF-0F31-30F9C4FBA1A2}"/>
+              </a:ext>
+            </a:extLst>
+          </p:cNvPr>
+          <p:cNvSpPr>
+            <a:spLocks noGrp="1"/>
+          </p:cNvSpPr>
+          <p:nvPr>
+            <p:ph type="title"/>
+          </p:nvPr>
+        </p:nvSpPr>
+        <p:spPr>
+          <a:xfrm>
+            <a:off x="838200" y="2766219"/>
+            <a:ext cx="10515600" cy="1325563"/>
+          </a:xfrm>
+        </p:spPr>
+        <p:txBody>
+          <a:bodyPr/>
+          <a:lstStyle/>
+          <a:p>
+            <a:pPr algn="ctr"/>
+            <a:r>
+              <a:rPr lang="en-US" dirty="0"/>
+              <a:t>5 Minute Break</a:t>
+            </a:r>
+          </a:p>
+        </p:txBody>
+      </p:sp>
+    </p:spTree>
+    <p:extLst>
+      <p:ext uri="{BB962C8B-B14F-4D97-AF65-F5344CB8AC3E}">
+        <p14:creationId xmlns:p14="http://schemas.microsoft.com/office/powerpoint/2010/main" val="501907348"/>
+      </p:ext>
+    </p:extLst>
+  </p:cSld>
+  <p:clrMapOvr>
+    <a:masterClrMapping/>
+  </p:clrMapOvr>
+</p:sld>
+</file>
+
+<file path=ppt/slides/slide7.xml><?xml version="1.0" encoding="utf-8"?>
+<p:sld xmlns:a="http://schemas.openxmlformats.org/drawingml/2006/main" xmlns:r="http://schemas.openxmlformats.org/officeDocument/2006/relationships" xmlns:p="http://schemas.openxmlformats.org/presentationml/2006/main">
+  <p:cSld>
+    <p:spTree>
+      <p:nvGrpSpPr>
+        <p:cNvPr id="1" name=""/>
+        <p:cNvGrpSpPr/>
+        <p:nvPr/>
+      </p:nvGrpSpPr>
+      <p:grpSpPr>
+        <a:xfrm>
+          <a:off x="0" y="0"/>
+          <a:ext cx="0" cy="0"/>
+          <a:chOff x="0" y="0"/>
+          <a:chExt cx="0" cy="0"/>
+        </a:xfrm>
+      </p:grpSpPr>
+      <p:sp>
+        <p:nvSpPr>
+          <p:cNvPr id="2" name="Title 1">
+            <a:extLst>
+              <a:ext uri="{FF2B5EF4-FFF2-40B4-BE49-F238E27FC236}">
+                <a16:creationId xmlns:a16="http://schemas.microsoft.com/office/drawing/2014/main" id="{A7E614EA-5B80-2DE9-CE8E-9A4BBA4B1DB7}"/>
+              </a:ext>
+            </a:extLst>
+          </p:cNvPr>
+          <p:cNvSpPr>
+            <a:spLocks noGrp="1"/>
+          </p:cNvSpPr>
+          <p:nvPr>
+            <p:ph type="title"/>
+          </p:nvPr>
+        </p:nvSpPr>
+        <p:spPr/>
+        <p:txBody>
+          <a:bodyPr/>
+          <a:lstStyle/>
+          <a:p>
+            <a:endParaRPr lang="en-US"/>
+          </a:p>
+        </p:txBody>
+      </p:sp>
+      <p:sp>
+        <p:nvSpPr>
+          <p:cNvPr id="3" name="Content Placeholder 2">
+            <a:extLst>
+              <a:ext uri="{FF2B5EF4-FFF2-40B4-BE49-F238E27FC236}">
+                <a16:creationId xmlns:a16="http://schemas.microsoft.com/office/drawing/2014/main" id="{C50C4D1C-9E5B-FE8E-1293-9B86A5D43DCB}"/>
+              </a:ext>
+            </a:extLst>
+          </p:cNvPr>
+          <p:cNvSpPr>
+            <a:spLocks noGrp="1"/>
+          </p:cNvSpPr>
+          <p:nvPr>
+            <p:ph idx="1"/>
+          </p:nvPr>
+        </p:nvSpPr>
+        <p:spPr/>
+        <p:txBody>
+          <a:bodyPr/>
+          <a:lstStyle/>
+          <a:p>
+            <a:endParaRPr lang="en-US"/>
+          </a:p>
+        </p:txBody>
+      </p:sp>
+    </p:spTree>
+    <p:extLst>
+      <p:ext uri="{BB962C8B-B14F-4D97-AF65-F5344CB8AC3E}">
+        <p14:creationId xmlns:p14="http://schemas.microsoft.com/office/powerpoint/2010/main" val="3609916581"/>
+      </p:ext>
+    </p:extLst>
+  </p:cSld>
+  <p:clrMapOvr>
+    <a:masterClrMapping/>
+  </p:clrMapOvr>
+</p:sld>
+</file>
+
+<file path=ppt/slides/slide8.xml><?xml version="1.0" encoding="utf-8"?>
+<p:sld xmlns:a="http://schemas.openxmlformats.org/drawingml/2006/main" xmlns:r="http://schemas.openxmlformats.org/officeDocument/2006/relationships" xmlns:p="http://schemas.openxmlformats.org/presentationml/2006/main">
+  <p:cSld>
+    <p:spTree>
+      <p:nvGrpSpPr>
+        <p:cNvPr id="1" name=""/>
+        <p:cNvGrpSpPr/>
+        <p:nvPr/>
+      </p:nvGrpSpPr>
+      <p:grpSpPr>
+        <a:xfrm>
+          <a:off x="0" y="0"/>
+          <a:ext cx="0" cy="0"/>
+          <a:chOff x="0" y="0"/>
+          <a:chExt cx="0" cy="0"/>
+        </a:xfrm>
+      </p:grpSpPr>
+      <p:sp>
+        <p:nvSpPr>
+          <p:cNvPr id="2" name="Title 1">
+            <a:extLst>
+              <a:ext uri="{FF2B5EF4-FFF2-40B4-BE49-F238E27FC236}">
+                <a16:creationId xmlns:a16="http://schemas.microsoft.com/office/drawing/2014/main" id="{7CE63BF2-86DD-96BF-0F31-30F9C4FBA1A2}"/>
+              </a:ext>
+            </a:extLst>
+          </p:cNvPr>
+          <p:cNvSpPr>
+            <a:spLocks noGrp="1"/>
+          </p:cNvSpPr>
+          <p:nvPr>
+            <p:ph type="title"/>
+          </p:nvPr>
+        </p:nvSpPr>
+        <p:spPr>
+          <a:xfrm>
+            <a:off x="838200" y="2766219"/>
+            <a:ext cx="10515600" cy="1325563"/>
+          </a:xfrm>
+        </p:spPr>
+        <p:txBody>
+          <a:bodyPr/>
+          <a:lstStyle/>
+          <a:p>
+            <a:pPr algn="ctr"/>
+            <a:r>
+              <a:rPr lang="en-US" dirty="0"/>
+              <a:t>5 Minute Break</a:t>
+            </a:r>
+          </a:p>
+        </p:txBody>
+      </p:sp>
+    </p:spTree>
+    <p:extLst>
+      <p:ext uri="{BB962C8B-B14F-4D97-AF65-F5344CB8AC3E}">
+        <p14:creationId xmlns:p14="http://schemas.microsoft.com/office/powerpoint/2010/main" val="2493547526"/>
+      </p:ext>
+    </p:extLst>
+  </p:cSld>
+  <p:clrMapOvr>
+    <a:masterClrMapping/>
+  </p:clrMapOvr>
+</p:sld>
+</file>
+
+<file path=ppt/slides/slide9.xml><?xml version="1.0" encoding="utf-8"?>
+<p:sld xmlns:a="http://schemas.openxmlformats.org/drawingml/2006/main" xmlns:r="http://schemas.openxmlformats.org/officeDocument/2006/relationships" xmlns:p="http://schemas.openxmlformats.org/presentationml/2006/main">
+  <p:cSld>
+    <p:spTree>
+      <p:nvGrpSpPr>
+        <p:cNvPr id="1" name=""/>
+        <p:cNvGrpSpPr/>
+        <p:nvPr/>
+      </p:nvGrpSpPr>
+      <p:grpSpPr>
+        <a:xfrm>
+          <a:off x="0" y="0"/>
+          <a:ext cx="0" cy="0"/>
+          <a:chOff x="0" y="0"/>
+          <a:chExt cx="0" cy="0"/>
+        </a:xfrm>
+      </p:grpSpPr>
+      <p:sp>
+        <p:nvSpPr>
+          <p:cNvPr id="2" name="Title 1">
+            <a:extLst>
+              <a:ext uri="{FF2B5EF4-FFF2-40B4-BE49-F238E27FC236}">
+                <a16:creationId xmlns:a16="http://schemas.microsoft.com/office/drawing/2014/main" id="{5ED89EA6-E576-E205-BBCD-9D009CDCF637}"/>
+              </a:ext>
+            </a:extLst>
+          </p:cNvPr>
+          <p:cNvSpPr>
+            <a:spLocks noGrp="1"/>
+          </p:cNvSpPr>
+          <p:nvPr>
+            <p:ph type="title"/>
+          </p:nvPr>
+        </p:nvSpPr>
+        <p:spPr/>
+        <p:txBody>
+          <a:bodyPr/>
+          <a:lstStyle/>
+          <a:p>
+            <a:endParaRPr lang="en-US"/>
+          </a:p>
+        </p:txBody>
+      </p:sp>
+      <p:sp>
+        <p:nvSpPr>
+          <p:cNvPr id="3" name="Content Placeholder 2">
+            <a:extLst>
+              <a:ext uri="{FF2B5EF4-FFF2-40B4-BE49-F238E27FC236}">
+                <a16:creationId xmlns:a16="http://schemas.microsoft.com/office/drawing/2014/main" id="{B93ABEE4-573E-8869-B434-AA549F9FB1EF}"/>
+              </a:ext>
+            </a:extLst>
+          </p:cNvPr>
+          <p:cNvSpPr>
+            <a:spLocks noGrp="1"/>
+          </p:cNvSpPr>
+          <p:nvPr>
+            <p:ph idx="1"/>
+          </p:nvPr>
+        </p:nvSpPr>
+        <p:spPr/>
+        <p:txBody>
+          <a:bodyPr/>
+          <a:lstStyle/>
+          <a:p>
+            <a:endParaRPr lang="en-US"/>
+          </a:p>
+        </p:txBody>
+      </p:sp>
+    </p:spTree>
+    <p:extLst>
+      <p:ext uri="{BB962C8B-B14F-4D97-AF65-F5344CB8AC3E}">
+        <p14:creationId xmlns:p14="http://schemas.microsoft.com/office/powerpoint/2010/main" val="1775469305"/>
       </p:ext>
     </p:extLst>
   </p:cSld>
